--- a/presentasi.pptx
+++ b/presentasi.pptx
@@ -10,20 +10,21 @@
     <p:sldId id="304" r:id="rId4"/>
     <p:sldId id="305" r:id="rId5"/>
     <p:sldId id="306" r:id="rId6"/>
-    <p:sldId id="307" r:id="rId7"/>
-    <p:sldId id="308" r:id="rId8"/>
-    <p:sldId id="369" r:id="rId9"/>
-    <p:sldId id="371" r:id="rId10"/>
-    <p:sldId id="372" r:id="rId11"/>
-    <p:sldId id="309" r:id="rId12"/>
-    <p:sldId id="321" r:id="rId13"/>
-    <p:sldId id="370" r:id="rId14"/>
-    <p:sldId id="350" r:id="rId15"/>
-    <p:sldId id="367" r:id="rId16"/>
-    <p:sldId id="351" r:id="rId17"/>
-    <p:sldId id="360" r:id="rId18"/>
-    <p:sldId id="359" r:id="rId19"/>
-    <p:sldId id="368" r:id="rId20"/>
+    <p:sldId id="373" r:id="rId7"/>
+    <p:sldId id="307" r:id="rId8"/>
+    <p:sldId id="308" r:id="rId9"/>
+    <p:sldId id="369" r:id="rId10"/>
+    <p:sldId id="371" r:id="rId11"/>
+    <p:sldId id="372" r:id="rId12"/>
+    <p:sldId id="309" r:id="rId13"/>
+    <p:sldId id="321" r:id="rId14"/>
+    <p:sldId id="370" r:id="rId15"/>
+    <p:sldId id="350" r:id="rId16"/>
+    <p:sldId id="367" r:id="rId17"/>
+    <p:sldId id="351" r:id="rId18"/>
+    <p:sldId id="360" r:id="rId19"/>
+    <p:sldId id="359" r:id="rId20"/>
+    <p:sldId id="368" r:id="rId21"/>
   </p:sldIdLst>
   <p:sldSz cx="12192000" cy="6858000"/>
   <p:notesSz cx="6858000" cy="9144000"/>
@@ -122,6 +123,11 @@
       </a:defRPr>
     </a:lvl9pPr>
   </p:defaultTextStyle>
+  <p:extLst>
+    <p:ext uri="{EFAFB233-063F-42B5-8137-9DF3F51BA10A}">
+      <p15:sldGuideLst xmlns:p15="http://schemas.microsoft.com/office/powerpoint/2012/main"/>
+    </p:ext>
+  </p:extLst>
 </p:presentation>
 </file>
 
@@ -272,7 +278,7 @@
           <a:p>
             <a:fld id="{240DA518-5746-44CD-B3DA-731DBB8553B8}" type="datetimeFigureOut">
               <a:rPr lang="en-US" smtClean="0"/>
-              <a:t>1/1/2023</a:t>
+              <a:t>1/13/2023</a:t>
             </a:fld>
             <a:endParaRPr lang="en-US"/>
           </a:p>
@@ -470,7 +476,7 @@
           <a:p>
             <a:fld id="{240DA518-5746-44CD-B3DA-731DBB8553B8}" type="datetimeFigureOut">
               <a:rPr lang="en-US" smtClean="0"/>
-              <a:t>1/1/2023</a:t>
+              <a:t>1/13/2023</a:t>
             </a:fld>
             <a:endParaRPr lang="en-US"/>
           </a:p>
@@ -678,7 +684,7 @@
           <a:p>
             <a:fld id="{240DA518-5746-44CD-B3DA-731DBB8553B8}" type="datetimeFigureOut">
               <a:rPr lang="en-US" smtClean="0"/>
-              <a:t>1/1/2023</a:t>
+              <a:t>1/13/2023</a:t>
             </a:fld>
             <a:endParaRPr lang="en-US"/>
           </a:p>
@@ -876,7 +882,7 @@
           <a:p>
             <a:fld id="{240DA518-5746-44CD-B3DA-731DBB8553B8}" type="datetimeFigureOut">
               <a:rPr lang="en-US" smtClean="0"/>
-              <a:t>1/1/2023</a:t>
+              <a:t>1/13/2023</a:t>
             </a:fld>
             <a:endParaRPr lang="en-US"/>
           </a:p>
@@ -1151,7 +1157,7 @@
           <a:p>
             <a:fld id="{240DA518-5746-44CD-B3DA-731DBB8553B8}" type="datetimeFigureOut">
               <a:rPr lang="en-US" smtClean="0"/>
-              <a:t>1/1/2023</a:t>
+              <a:t>1/13/2023</a:t>
             </a:fld>
             <a:endParaRPr lang="en-US"/>
           </a:p>
@@ -1416,7 +1422,7 @@
           <a:p>
             <a:fld id="{240DA518-5746-44CD-B3DA-731DBB8553B8}" type="datetimeFigureOut">
               <a:rPr lang="en-US" smtClean="0"/>
-              <a:t>1/1/2023</a:t>
+              <a:t>1/13/2023</a:t>
             </a:fld>
             <a:endParaRPr lang="en-US"/>
           </a:p>
@@ -1828,7 +1834,7 @@
           <a:p>
             <a:fld id="{240DA518-5746-44CD-B3DA-731DBB8553B8}" type="datetimeFigureOut">
               <a:rPr lang="en-US" smtClean="0"/>
-              <a:t>1/1/2023</a:t>
+              <a:t>1/13/2023</a:t>
             </a:fld>
             <a:endParaRPr lang="en-US"/>
           </a:p>
@@ -1969,7 +1975,7 @@
           <a:p>
             <a:fld id="{240DA518-5746-44CD-B3DA-731DBB8553B8}" type="datetimeFigureOut">
               <a:rPr lang="en-US" smtClean="0"/>
-              <a:t>1/1/2023</a:t>
+              <a:t>1/13/2023</a:t>
             </a:fld>
             <a:endParaRPr lang="en-US"/>
           </a:p>
@@ -2082,7 +2088,7 @@
           <a:p>
             <a:fld id="{240DA518-5746-44CD-B3DA-731DBB8553B8}" type="datetimeFigureOut">
               <a:rPr lang="en-US" smtClean="0"/>
-              <a:t>1/1/2023</a:t>
+              <a:t>1/13/2023</a:t>
             </a:fld>
             <a:endParaRPr lang="en-US"/>
           </a:p>
@@ -2393,7 +2399,7 @@
           <a:p>
             <a:fld id="{240DA518-5746-44CD-B3DA-731DBB8553B8}" type="datetimeFigureOut">
               <a:rPr lang="en-US" smtClean="0"/>
-              <a:t>1/1/2023</a:t>
+              <a:t>1/13/2023</a:t>
             </a:fld>
             <a:endParaRPr lang="en-US"/>
           </a:p>
@@ -2681,7 +2687,7 @@
           <a:p>
             <a:fld id="{240DA518-5746-44CD-B3DA-731DBB8553B8}" type="datetimeFigureOut">
               <a:rPr lang="en-US" smtClean="0"/>
-              <a:t>1/1/2023</a:t>
+              <a:t>1/13/2023</a:t>
             </a:fld>
             <a:endParaRPr lang="en-US"/>
           </a:p>
@@ -2922,7 +2928,7 @@
           <a:p>
             <a:fld id="{240DA518-5746-44CD-B3DA-731DBB8553B8}" type="datetimeFigureOut">
               <a:rPr lang="en-US" smtClean="0"/>
-              <a:t>1/1/2023</a:t>
+              <a:t>1/13/2023</a:t>
             </a:fld>
             <a:endParaRPr lang="en-US"/>
           </a:p>
@@ -3424,10 +3430,7 @@
               <a:rPr lang="en-US" dirty="0" err="1"/>
               <a:t>Muttaqin</a:t>
             </a:r>
-            <a:r>
-              <a:rPr lang="en-US" dirty="0"/>
-              <a:t>, S. Pd</a:t>
-            </a:r>
+            <a:endParaRPr lang="en-US" dirty="0"/>
           </a:p>
         </p:txBody>
       </p:sp>
@@ -3649,6 +3652,103 @@
           <p:cNvPr id="2" name="Title 1">
             <a:extLst>
               <a:ext uri="{FF2B5EF4-FFF2-40B4-BE49-F238E27FC236}">
+                <a16:creationId xmlns:a16="http://schemas.microsoft.com/office/drawing/2014/main" id="{B133D9F5-DB50-4B2A-83E8-F8301DAD0A1A}"/>
+              </a:ext>
+            </a:extLst>
+          </p:cNvPr>
+          <p:cNvSpPr>
+            <a:spLocks noGrp="1"/>
+          </p:cNvSpPr>
+          <p:nvPr>
+            <p:ph type="title"/>
+          </p:nvPr>
+        </p:nvSpPr>
+        <p:spPr/>
+        <p:txBody>
+          <a:bodyPr/>
+          <a:lstStyle/>
+          <a:p>
+            <a:r>
+              <a:rPr lang="en-US" dirty="0"/>
+              <a:t>Circular Slider </a:t>
+            </a:r>
+            <a:r>
+              <a:rPr lang="en-US" dirty="0" err="1"/>
+              <a:t>sebagai</a:t>
+            </a:r>
+            <a:r>
+              <a:rPr lang="en-US" dirty="0"/>
+              <a:t> Input</a:t>
+            </a:r>
+          </a:p>
+        </p:txBody>
+      </p:sp>
+      <p:sp>
+        <p:nvSpPr>
+          <p:cNvPr id="3" name="Content Placeholder 2">
+            <a:extLst>
+              <a:ext uri="{FF2B5EF4-FFF2-40B4-BE49-F238E27FC236}">
+                <a16:creationId xmlns:a16="http://schemas.microsoft.com/office/drawing/2014/main" id="{580DDE9C-1947-49FA-BCEC-0797FD071474}"/>
+              </a:ext>
+            </a:extLst>
+          </p:cNvPr>
+          <p:cNvSpPr>
+            <a:spLocks noGrp="1"/>
+          </p:cNvSpPr>
+          <p:nvPr>
+            <p:ph idx="1"/>
+          </p:nvPr>
+        </p:nvSpPr>
+        <p:spPr/>
+        <p:txBody>
+          <a:bodyPr/>
+          <a:lstStyle/>
+          <a:p>
+            <a:pPr marL="0" indent="0">
+              <a:buNone/>
+            </a:pPr>
+            <a:r>
+              <a:rPr lang="en-US" dirty="0"/>
+              <a:t>interactive: true</a:t>
+            </a:r>
+          </a:p>
+        </p:txBody>
+      </p:sp>
+    </p:spTree>
+    <p:extLst>
+      <p:ext uri="{BB962C8B-B14F-4D97-AF65-F5344CB8AC3E}">
+        <p14:creationId xmlns:p14="http://schemas.microsoft.com/office/powerpoint/2010/main" val="995544983"/>
+      </p:ext>
+    </p:extLst>
+  </p:cSld>
+  <p:clrMapOvr>
+    <a:masterClrMapping/>
+  </p:clrMapOvr>
+</p:sld>
+</file>
+
+<file path=ppt/slides/slide11.xml><?xml version="1.0" encoding="utf-8"?>
+<p:sld xmlns:a="http://schemas.openxmlformats.org/drawingml/2006/main" xmlns:r="http://schemas.openxmlformats.org/officeDocument/2006/relationships" xmlns:p="http://schemas.openxmlformats.org/presentationml/2006/main">
+  <p:cSld>
+    <p:spTree>
+      <p:nvGrpSpPr>
+        <p:cNvPr id="1" name=""/>
+        <p:cNvGrpSpPr/>
+        <p:nvPr/>
+      </p:nvGrpSpPr>
+      <p:grpSpPr>
+        <a:xfrm>
+          <a:off x="0" y="0"/>
+          <a:ext cx="0" cy="0"/>
+          <a:chOff x="0" y="0"/>
+          <a:chExt cx="0" cy="0"/>
+        </a:xfrm>
+      </p:grpSpPr>
+      <p:sp>
+        <p:nvSpPr>
+          <p:cNvPr id="2" name="Title 1">
+            <a:extLst>
+              <a:ext uri="{FF2B5EF4-FFF2-40B4-BE49-F238E27FC236}">
                 <a16:creationId xmlns:a16="http://schemas.microsoft.com/office/drawing/2014/main" id="{C573683A-1B15-4BCC-9528-A1301060F9E5}"/>
               </a:ext>
             </a:extLst>
@@ -3724,7 +3824,7 @@
 </p:sld>
 </file>
 
-<file path=ppt/slides/slide11.xml><?xml version="1.0" encoding="utf-8"?>
+<file path=ppt/slides/slide12.xml><?xml version="1.0" encoding="utf-8"?>
 <p:sld xmlns:a="http://schemas.openxmlformats.org/drawingml/2006/main" xmlns:r="http://schemas.openxmlformats.org/officeDocument/2006/relationships" xmlns:p="http://schemas.openxmlformats.org/presentationml/2006/main">
   <p:cSld>
     <p:spTree>
@@ -3870,7 +3970,7 @@
 </p:sld>
 </file>
 
-<file path=ppt/slides/slide12.xml><?xml version="1.0" encoding="utf-8"?>
+<file path=ppt/slides/slide13.xml><?xml version="1.0" encoding="utf-8"?>
 <p:sld xmlns:a="http://schemas.openxmlformats.org/drawingml/2006/main" xmlns:r="http://schemas.openxmlformats.org/officeDocument/2006/relationships" xmlns:p="http://schemas.openxmlformats.org/presentationml/2006/main">
   <p:cSld>
     <p:spTree>
@@ -3961,7 +4061,7 @@
 </p:sld>
 </file>
 
-<file path=ppt/slides/slide13.xml><?xml version="1.0" encoding="utf-8"?>
+<file path=ppt/slides/slide14.xml><?xml version="1.0" encoding="utf-8"?>
 <p:sld xmlns:a="http://schemas.openxmlformats.org/drawingml/2006/main" xmlns:r="http://schemas.openxmlformats.org/officeDocument/2006/relationships" xmlns:p="http://schemas.openxmlformats.org/presentationml/2006/main">
   <p:cSld>
     <p:spTree>
@@ -4108,7 +4208,7 @@
 </p:sld>
 </file>
 
-<file path=ppt/slides/slide14.xml><?xml version="1.0" encoding="utf-8"?>
+<file path=ppt/slides/slide15.xml><?xml version="1.0" encoding="utf-8"?>
 <p:sld xmlns:a="http://schemas.openxmlformats.org/drawingml/2006/main" xmlns:r="http://schemas.openxmlformats.org/officeDocument/2006/relationships" xmlns:p="http://schemas.openxmlformats.org/presentationml/2006/main">
   <p:cSld>
     <p:spTree>
@@ -4195,7 +4295,7 @@
 </p:sld>
 </file>
 
-<file path=ppt/slides/slide15.xml><?xml version="1.0" encoding="utf-8"?>
+<file path=ppt/slides/slide16.xml><?xml version="1.0" encoding="utf-8"?>
 <p:sld xmlns:a="http://schemas.openxmlformats.org/drawingml/2006/main" xmlns:r="http://schemas.openxmlformats.org/officeDocument/2006/relationships" xmlns:p="http://schemas.openxmlformats.org/presentationml/2006/main">
   <p:cSld>
     <p:spTree>
@@ -4305,7 +4405,7 @@
 </p:sld>
 </file>
 
-<file path=ppt/slides/slide16.xml><?xml version="1.0" encoding="utf-8"?>
+<file path=ppt/slides/slide17.xml><?xml version="1.0" encoding="utf-8"?>
 <p:sld xmlns:a="http://schemas.openxmlformats.org/drawingml/2006/main" xmlns:r="http://schemas.openxmlformats.org/officeDocument/2006/relationships" xmlns:p="http://schemas.openxmlformats.org/presentationml/2006/main">
   <p:cSld>
     <p:spTree>
@@ -4425,7 +4525,7 @@
 </p:sld>
 </file>
 
-<file path=ppt/slides/slide17.xml><?xml version="1.0" encoding="utf-8"?>
+<file path=ppt/slides/slide18.xml><?xml version="1.0" encoding="utf-8"?>
 <p:sld xmlns:a="http://schemas.openxmlformats.org/drawingml/2006/main" xmlns:r="http://schemas.openxmlformats.org/officeDocument/2006/relationships" xmlns:p="http://schemas.openxmlformats.org/presentationml/2006/main">
   <p:cSld>
     <p:spTree>
@@ -4510,7 +4610,7 @@
 </p:sld>
 </file>
 
-<file path=ppt/slides/slide18.xml><?xml version="1.0" encoding="utf-8"?>
+<file path=ppt/slides/slide19.xml><?xml version="1.0" encoding="utf-8"?>
 <p:sld xmlns:a="http://schemas.openxmlformats.org/drawingml/2006/main" xmlns:r="http://schemas.openxmlformats.org/officeDocument/2006/relationships" xmlns:p="http://schemas.openxmlformats.org/presentationml/2006/main">
   <p:cSld>
     <p:spTree>
@@ -4595,76 +4695,6 @@
 </p:sld>
 </file>
 
-<file path=ppt/slides/slide19.xml><?xml version="1.0" encoding="utf-8"?>
-<p:sld xmlns:a="http://schemas.openxmlformats.org/drawingml/2006/main" xmlns:r="http://schemas.openxmlformats.org/officeDocument/2006/relationships" xmlns:p="http://schemas.openxmlformats.org/presentationml/2006/main">
-  <p:cSld>
-    <p:spTree>
-      <p:nvGrpSpPr>
-        <p:cNvPr id="1" name=""/>
-        <p:cNvGrpSpPr/>
-        <p:nvPr/>
-      </p:nvGrpSpPr>
-      <p:grpSpPr>
-        <a:xfrm>
-          <a:off x="0" y="0"/>
-          <a:ext cx="0" cy="0"/>
-          <a:chOff x="0" y="0"/>
-          <a:chExt cx="0" cy="0"/>
-        </a:xfrm>
-      </p:grpSpPr>
-      <p:sp>
-        <p:nvSpPr>
-          <p:cNvPr id="2" name="Title 1">
-            <a:extLst>
-              <a:ext uri="{FF2B5EF4-FFF2-40B4-BE49-F238E27FC236}">
-                <a16:creationId xmlns:a16="http://schemas.microsoft.com/office/drawing/2014/main" id="{2330D587-91CD-445F-B9B6-4FE15335474A}"/>
-              </a:ext>
-            </a:extLst>
-          </p:cNvPr>
-          <p:cNvSpPr>
-            <a:spLocks noGrp="1"/>
-          </p:cNvSpPr>
-          <p:nvPr>
-            <p:ph type="title"/>
-          </p:nvPr>
-        </p:nvSpPr>
-        <p:spPr>
-          <a:xfrm>
-            <a:off x="2037413" y="2766218"/>
-            <a:ext cx="7196528" cy="1325563"/>
-          </a:xfrm>
-        </p:spPr>
-        <p:txBody>
-          <a:bodyPr/>
-          <a:lstStyle/>
-          <a:p>
-            <a:r>
-              <a:rPr lang="en-US" dirty="0"/>
-              <a:t>SEKIAN DAN TERIMAKASIH </a:t>
-            </a:r>
-            <a:r>
-              <a:rPr lang="en-US" dirty="0">
-                <a:sym typeface="Wingdings" panose="05000000000000000000" pitchFamily="2" charset="2"/>
-              </a:rPr>
-              <a:t></a:t>
-            </a:r>
-            <a:endParaRPr lang="en-US" dirty="0"/>
-          </a:p>
-        </p:txBody>
-      </p:sp>
-    </p:spTree>
-    <p:extLst>
-      <p:ext uri="{BB962C8B-B14F-4D97-AF65-F5344CB8AC3E}">
-        <p14:creationId xmlns:p14="http://schemas.microsoft.com/office/powerpoint/2010/main" val="2981069193"/>
-      </p:ext>
-    </p:extLst>
-  </p:cSld>
-  <p:clrMapOvr>
-    <a:masterClrMapping/>
-  </p:clrMapOvr>
-</p:sld>
-</file>
-
 <file path=ppt/slides/slide2.xml><?xml version="1.0" encoding="utf-8"?>
 <p:sld xmlns:a="http://schemas.openxmlformats.org/drawingml/2006/main" xmlns:r="http://schemas.openxmlformats.org/officeDocument/2006/relationships" xmlns:p="http://schemas.openxmlformats.org/presentationml/2006/main">
   <p:cSld>
@@ -4763,7 +4793,7 @@
             </a:r>
             <a:r>
               <a:rPr lang="en-US" sz="2000" dirty="0"/>
-              <a:t>, S. Pd. </a:t>
+              <a:t> </a:t>
             </a:r>
           </a:p>
           <a:p>
@@ -4977,6 +5007,76 @@
     <p:extLst>
       <p:ext uri="{BB962C8B-B14F-4D97-AF65-F5344CB8AC3E}">
         <p14:creationId xmlns:p14="http://schemas.microsoft.com/office/powerpoint/2010/main" val="4049567207"/>
+      </p:ext>
+    </p:extLst>
+  </p:cSld>
+  <p:clrMapOvr>
+    <a:masterClrMapping/>
+  </p:clrMapOvr>
+</p:sld>
+</file>
+
+<file path=ppt/slides/slide20.xml><?xml version="1.0" encoding="utf-8"?>
+<p:sld xmlns:a="http://schemas.openxmlformats.org/drawingml/2006/main" xmlns:r="http://schemas.openxmlformats.org/officeDocument/2006/relationships" xmlns:p="http://schemas.openxmlformats.org/presentationml/2006/main">
+  <p:cSld>
+    <p:spTree>
+      <p:nvGrpSpPr>
+        <p:cNvPr id="1" name=""/>
+        <p:cNvGrpSpPr/>
+        <p:nvPr/>
+      </p:nvGrpSpPr>
+      <p:grpSpPr>
+        <a:xfrm>
+          <a:off x="0" y="0"/>
+          <a:ext cx="0" cy="0"/>
+          <a:chOff x="0" y="0"/>
+          <a:chExt cx="0" cy="0"/>
+        </a:xfrm>
+      </p:grpSpPr>
+      <p:sp>
+        <p:nvSpPr>
+          <p:cNvPr id="2" name="Title 1">
+            <a:extLst>
+              <a:ext uri="{FF2B5EF4-FFF2-40B4-BE49-F238E27FC236}">
+                <a16:creationId xmlns:a16="http://schemas.microsoft.com/office/drawing/2014/main" id="{2330D587-91CD-445F-B9B6-4FE15335474A}"/>
+              </a:ext>
+            </a:extLst>
+          </p:cNvPr>
+          <p:cNvSpPr>
+            <a:spLocks noGrp="1"/>
+          </p:cNvSpPr>
+          <p:nvPr>
+            <p:ph type="title"/>
+          </p:nvPr>
+        </p:nvSpPr>
+        <p:spPr>
+          <a:xfrm>
+            <a:off x="2037413" y="2766218"/>
+            <a:ext cx="7196528" cy="1325563"/>
+          </a:xfrm>
+        </p:spPr>
+        <p:txBody>
+          <a:bodyPr/>
+          <a:lstStyle/>
+          <a:p>
+            <a:r>
+              <a:rPr lang="en-US" dirty="0"/>
+              <a:t>SEKIAN DAN TERIMAKASIH </a:t>
+            </a:r>
+            <a:r>
+              <a:rPr lang="en-US" dirty="0">
+                <a:sym typeface="Wingdings" panose="05000000000000000000" pitchFamily="2" charset="2"/>
+              </a:rPr>
+              <a:t></a:t>
+            </a:r>
+            <a:endParaRPr lang="en-US" dirty="0"/>
+          </a:p>
+        </p:txBody>
+      </p:sp>
+    </p:spTree>
+    <p:extLst>
+      <p:ext uri="{BB962C8B-B14F-4D97-AF65-F5344CB8AC3E}">
+        <p14:creationId xmlns:p14="http://schemas.microsoft.com/office/powerpoint/2010/main" val="2981069193"/>
       </p:ext>
     </p:extLst>
   </p:cSld>
@@ -5809,7 +5909,7 @@
         <p:spPr>
           <a:xfrm>
             <a:off x="7199027" y="1561687"/>
-            <a:ext cx="2289747" cy="923330"/>
+            <a:ext cx="4154773" cy="646331"/>
           </a:xfrm>
           <a:prstGeom prst="rect">
             <a:avLst/>
@@ -5878,6 +5978,389 @@
 </file>
 
 <file path=ppt/slides/slide6.xml><?xml version="1.0" encoding="utf-8"?>
+<p:sld xmlns:a="http://schemas.openxmlformats.org/drawingml/2006/main" xmlns:r="http://schemas.openxmlformats.org/officeDocument/2006/relationships" xmlns:p="http://schemas.openxmlformats.org/presentationml/2006/main">
+  <p:cSld>
+    <p:spTree>
+      <p:nvGrpSpPr>
+        <p:cNvPr id="1" name=""/>
+        <p:cNvGrpSpPr/>
+        <p:nvPr/>
+      </p:nvGrpSpPr>
+      <p:grpSpPr>
+        <a:xfrm>
+          <a:off x="0" y="0"/>
+          <a:ext cx="0" cy="0"/>
+          <a:chOff x="0" y="0"/>
+          <a:chExt cx="0" cy="0"/>
+        </a:xfrm>
+      </p:grpSpPr>
+      <p:sp>
+        <p:nvSpPr>
+          <p:cNvPr id="2" name="Title 1">
+            <a:extLst>
+              <a:ext uri="{FF2B5EF4-FFF2-40B4-BE49-F238E27FC236}">
+                <a16:creationId xmlns:a16="http://schemas.microsoft.com/office/drawing/2014/main" id="{E0CED969-7098-40DA-8AA6-3E7B3A9B7011}"/>
+              </a:ext>
+            </a:extLst>
+          </p:cNvPr>
+          <p:cNvSpPr>
+            <a:spLocks noGrp="1"/>
+          </p:cNvSpPr>
+          <p:nvPr>
+            <p:ph type="title"/>
+          </p:nvPr>
+        </p:nvSpPr>
+        <p:spPr/>
+        <p:txBody>
+          <a:bodyPr/>
+          <a:lstStyle/>
+          <a:p>
+            <a:r>
+              <a:rPr lang="en-US" dirty="0" err="1"/>
+              <a:t>Nge</a:t>
+            </a:r>
+            <a:r>
+              <a:rPr lang="en-US" dirty="0"/>
+              <a:t> </a:t>
+            </a:r>
+            <a:r>
+              <a:rPr lang="en-US" dirty="0" err="1"/>
+              <a:t>runningnya</a:t>
+            </a:r>
+            <a:r>
+              <a:rPr lang="en-US" dirty="0"/>
+              <a:t> </a:t>
+            </a:r>
+            <a:r>
+              <a:rPr lang="en-US" dirty="0" err="1"/>
+              <a:t>gimana</a:t>
+            </a:r>
+            <a:r>
+              <a:rPr lang="en-US" dirty="0"/>
+              <a:t> ?</a:t>
+            </a:r>
+          </a:p>
+        </p:txBody>
+      </p:sp>
+      <p:sp>
+        <p:nvSpPr>
+          <p:cNvPr id="4" name="Content Placeholder 2">
+            <a:extLst>
+              <a:ext uri="{FF2B5EF4-FFF2-40B4-BE49-F238E27FC236}">
+                <a16:creationId xmlns:a16="http://schemas.microsoft.com/office/drawing/2014/main" id="{E34078C5-61FF-4B40-93EF-F24A49411A9A}"/>
+              </a:ext>
+            </a:extLst>
+          </p:cNvPr>
+          <p:cNvSpPr>
+            <a:spLocks noGrp="1"/>
+          </p:cNvSpPr>
+          <p:nvPr>
+            <p:ph idx="1"/>
+          </p:nvPr>
+        </p:nvSpPr>
+        <p:spPr>
+          <a:xfrm>
+            <a:off x="838200" y="1237956"/>
+            <a:ext cx="10515600" cy="5514535"/>
+          </a:xfrm>
+        </p:spPr>
+        <p:txBody>
+          <a:bodyPr>
+            <a:normAutofit fontScale="55000" lnSpcReduction="20000"/>
+          </a:bodyPr>
+          <a:lstStyle/>
+          <a:p>
+            <a:pPr marL="0" indent="0">
+              <a:buNone/>
+            </a:pPr>
+            <a:r>
+              <a:rPr lang="en-US" dirty="0"/>
+              <a:t>from PyQt5.QtCore import * </a:t>
+            </a:r>
+          </a:p>
+          <a:p>
+            <a:pPr marL="0" indent="0">
+              <a:buNone/>
+            </a:pPr>
+            <a:r>
+              <a:rPr lang="en-US" dirty="0"/>
+              <a:t>from PyQt5.QtGui import * </a:t>
+            </a:r>
+          </a:p>
+          <a:p>
+            <a:pPr marL="0" indent="0">
+              <a:buNone/>
+            </a:pPr>
+            <a:r>
+              <a:rPr lang="en-US" dirty="0"/>
+              <a:t>from PyQt5.QtQml import * </a:t>
+            </a:r>
+          </a:p>
+          <a:p>
+            <a:pPr marL="0" indent="0">
+              <a:buNone/>
+            </a:pPr>
+            <a:r>
+              <a:rPr lang="en-US" dirty="0"/>
+              <a:t>from PyQt5.QtWidgets import *</a:t>
+            </a:r>
+          </a:p>
+          <a:p>
+            <a:pPr marL="0" indent="0">
+              <a:buNone/>
+            </a:pPr>
+            <a:r>
+              <a:rPr lang="en-US" dirty="0"/>
+              <a:t>from PyQt5.QtQuick import *  </a:t>
+            </a:r>
+          </a:p>
+          <a:p>
+            <a:pPr marL="0" indent="0">
+              <a:buNone/>
+            </a:pPr>
+            <a:r>
+              <a:rPr lang="en-US" dirty="0"/>
+              <a:t>import sys</a:t>
+            </a:r>
+          </a:p>
+          <a:p>
+            <a:pPr marL="0" indent="0">
+              <a:buNone/>
+            </a:pPr>
+            <a:endParaRPr lang="en-US" dirty="0"/>
+          </a:p>
+          <a:p>
+            <a:pPr marL="0" indent="0">
+              <a:buNone/>
+            </a:pPr>
+            <a:r>
+              <a:rPr lang="en-US" dirty="0"/>
+              <a:t>class table(</a:t>
+            </a:r>
+            <a:r>
+              <a:rPr lang="en-US" dirty="0" err="1"/>
+              <a:t>QObject</a:t>
+            </a:r>
+            <a:r>
+              <a:rPr lang="en-US" dirty="0"/>
+              <a:t>):    </a:t>
+            </a:r>
+          </a:p>
+          <a:p>
+            <a:pPr marL="0" indent="0">
+              <a:buNone/>
+            </a:pPr>
+            <a:r>
+              <a:rPr lang="en-US" dirty="0"/>
+              <a:t>    def __</a:t>
+            </a:r>
+            <a:r>
+              <a:rPr lang="en-US" dirty="0" err="1"/>
+              <a:t>init</a:t>
+            </a:r>
+            <a:r>
+              <a:rPr lang="en-US" dirty="0"/>
+              <a:t>__(self, parent = None):</a:t>
+            </a:r>
+          </a:p>
+          <a:p>
+            <a:pPr marL="0" indent="0">
+              <a:buNone/>
+            </a:pPr>
+            <a:r>
+              <a:rPr lang="en-US" dirty="0"/>
+              <a:t>        super().__</a:t>
+            </a:r>
+            <a:r>
+              <a:rPr lang="en-US" dirty="0" err="1"/>
+              <a:t>init</a:t>
+            </a:r>
+            <a:r>
+              <a:rPr lang="en-US" dirty="0"/>
+              <a:t>__(parent)</a:t>
+            </a:r>
+          </a:p>
+          <a:p>
+            <a:pPr marL="0" indent="0">
+              <a:buNone/>
+            </a:pPr>
+            <a:r>
+              <a:rPr lang="en-US" dirty="0"/>
+              <a:t>        </a:t>
+            </a:r>
+            <a:r>
+              <a:rPr lang="en-US" dirty="0" err="1"/>
+              <a:t>self.app</a:t>
+            </a:r>
+            <a:r>
+              <a:rPr lang="en-US" dirty="0"/>
+              <a:t> = </a:t>
+            </a:r>
+            <a:r>
+              <a:rPr lang="en-US" dirty="0" err="1"/>
+              <a:t>QApplication</a:t>
+            </a:r>
+            <a:r>
+              <a:rPr lang="en-US" dirty="0"/>
+              <a:t>(</a:t>
+            </a:r>
+            <a:r>
+              <a:rPr lang="en-US" dirty="0" err="1"/>
+              <a:t>sys.argv</a:t>
+            </a:r>
+            <a:r>
+              <a:rPr lang="en-US" dirty="0"/>
+              <a:t>)</a:t>
+            </a:r>
+          </a:p>
+          <a:p>
+            <a:pPr marL="0" indent="0">
+              <a:buNone/>
+            </a:pPr>
+            <a:r>
+              <a:rPr lang="en-US" dirty="0"/>
+              <a:t>        </a:t>
+            </a:r>
+            <a:r>
+              <a:rPr lang="en-US" dirty="0" err="1"/>
+              <a:t>self.engine</a:t>
+            </a:r>
+            <a:r>
+              <a:rPr lang="en-US" dirty="0"/>
+              <a:t> = </a:t>
+            </a:r>
+            <a:r>
+              <a:rPr lang="en-US" dirty="0" err="1"/>
+              <a:t>QQmlApplicationEngine</a:t>
+            </a:r>
+            <a:r>
+              <a:rPr lang="en-US" dirty="0"/>
+              <a:t>(self)</a:t>
+            </a:r>
+          </a:p>
+          <a:p>
+            <a:pPr marL="0" indent="0">
+              <a:buNone/>
+            </a:pPr>
+            <a:r>
+              <a:rPr lang="en-US" dirty="0"/>
+              <a:t>        </a:t>
+            </a:r>
+            <a:r>
+              <a:rPr lang="en-US" dirty="0" err="1"/>
+              <a:t>self.engine.rootContext</a:t>
+            </a:r>
+            <a:r>
+              <a:rPr lang="en-US" dirty="0"/>
+              <a:t>().</a:t>
+            </a:r>
+            <a:r>
+              <a:rPr lang="en-US" dirty="0" err="1"/>
+              <a:t>setContextProperty</a:t>
+            </a:r>
+            <a:r>
+              <a:rPr lang="en-US" dirty="0"/>
+              <a:t>("backend", self)    </a:t>
+            </a:r>
+          </a:p>
+          <a:p>
+            <a:pPr marL="0" indent="0">
+              <a:buNone/>
+            </a:pPr>
+            <a:r>
+              <a:rPr lang="en-US" dirty="0"/>
+              <a:t>        </a:t>
+            </a:r>
+            <a:r>
+              <a:rPr lang="en-US" dirty="0" err="1"/>
+              <a:t>self.engine.load</a:t>
+            </a:r>
+            <a:r>
+              <a:rPr lang="en-US" dirty="0"/>
+              <a:t>(</a:t>
+            </a:r>
+            <a:r>
+              <a:rPr lang="en-US" dirty="0" err="1"/>
+              <a:t>QUrl</a:t>
+            </a:r>
+            <a:r>
+              <a:rPr lang="en-US" dirty="0"/>
+              <a:t>("</a:t>
+            </a:r>
+            <a:r>
+              <a:rPr lang="en-US" dirty="0" err="1"/>
+              <a:t>main.qml</a:t>
+            </a:r>
+            <a:r>
+              <a:rPr lang="en-US" dirty="0"/>
+              <a:t>"))</a:t>
+            </a:r>
+          </a:p>
+          <a:p>
+            <a:pPr marL="0" indent="0">
+              <a:buNone/>
+            </a:pPr>
+            <a:r>
+              <a:rPr lang="en-US" dirty="0"/>
+              <a:t>        </a:t>
+            </a:r>
+            <a:r>
+              <a:rPr lang="en-US" dirty="0" err="1"/>
+              <a:t>sys.exit</a:t>
+            </a:r>
+            <a:r>
+              <a:rPr lang="en-US" dirty="0"/>
+              <a:t>(</a:t>
+            </a:r>
+            <a:r>
+              <a:rPr lang="en-US" dirty="0" err="1"/>
+              <a:t>self.app.exec</a:t>
+            </a:r>
+            <a:r>
+              <a:rPr lang="en-US" dirty="0"/>
+              <a:t>_())</a:t>
+            </a:r>
+          </a:p>
+          <a:p>
+            <a:pPr marL="0" indent="0">
+              <a:buNone/>
+            </a:pPr>
+            <a:endParaRPr lang="en-US" dirty="0"/>
+          </a:p>
+          <a:p>
+            <a:pPr marL="0" indent="0">
+              <a:buNone/>
+            </a:pPr>
+            <a:r>
+              <a:rPr lang="en-US" dirty="0"/>
+              <a:t>if __name__ == "__main__":</a:t>
+            </a:r>
+          </a:p>
+          <a:p>
+            <a:pPr marL="0" indent="0">
+              <a:buNone/>
+            </a:pPr>
+            <a:r>
+              <a:rPr lang="en-US" dirty="0"/>
+              <a:t>    main = table()</a:t>
+            </a:r>
+          </a:p>
+        </p:txBody>
+      </p:sp>
+    </p:spTree>
+    <p:extLst>
+      <p:ext uri="{BB962C8B-B14F-4D97-AF65-F5344CB8AC3E}">
+        <p14:creationId xmlns:p14="http://schemas.microsoft.com/office/powerpoint/2010/main" val="1311203234"/>
+      </p:ext>
+    </p:extLst>
+  </p:cSld>
+  <p:clrMapOvr>
+    <a:masterClrMapping/>
+  </p:clrMapOvr>
+</p:sld>
+</file>
+
+<file path=ppt/slides/slide7.xml><?xml version="1.0" encoding="utf-8"?>
 <p:sld xmlns:a="http://schemas.openxmlformats.org/drawingml/2006/main" xmlns:r="http://schemas.openxmlformats.org/officeDocument/2006/relationships" xmlns:p="http://schemas.openxmlformats.org/presentationml/2006/main">
   <p:cSld>
     <p:spTree>
@@ -6024,7 +6507,7 @@
 </p:sld>
 </file>
 
-<file path=ppt/slides/slide7.xml><?xml version="1.0" encoding="utf-8"?>
+<file path=ppt/slides/slide8.xml><?xml version="1.0" encoding="utf-8"?>
 <p:sld xmlns:a="http://schemas.openxmlformats.org/drawingml/2006/main" xmlns:r="http://schemas.openxmlformats.org/officeDocument/2006/relationships" xmlns:p="http://schemas.openxmlformats.org/presentationml/2006/main">
   <p:cSld>
     <p:spTree>
@@ -6112,7 +6595,7 @@
 </p:sld>
 </file>
 
-<file path=ppt/slides/slide8.xml><?xml version="1.0" encoding="utf-8"?>
+<file path=ppt/slides/slide9.xml><?xml version="1.0" encoding="utf-8"?>
 <p:sld xmlns:a="http://schemas.openxmlformats.org/drawingml/2006/main" xmlns:r="http://schemas.openxmlformats.org/officeDocument/2006/relationships" xmlns:p="http://schemas.openxmlformats.org/presentationml/2006/main">
   <p:cSld>
     <p:spTree>
@@ -6204,103 +6687,6 @@
     <p:extLst>
       <p:ext uri="{BB962C8B-B14F-4D97-AF65-F5344CB8AC3E}">
         <p14:creationId xmlns:p14="http://schemas.microsoft.com/office/powerpoint/2010/main" val="1314642685"/>
-      </p:ext>
-    </p:extLst>
-  </p:cSld>
-  <p:clrMapOvr>
-    <a:masterClrMapping/>
-  </p:clrMapOvr>
-</p:sld>
-</file>
-
-<file path=ppt/slides/slide9.xml><?xml version="1.0" encoding="utf-8"?>
-<p:sld xmlns:a="http://schemas.openxmlformats.org/drawingml/2006/main" xmlns:r="http://schemas.openxmlformats.org/officeDocument/2006/relationships" xmlns:p="http://schemas.openxmlformats.org/presentationml/2006/main">
-  <p:cSld>
-    <p:spTree>
-      <p:nvGrpSpPr>
-        <p:cNvPr id="1" name=""/>
-        <p:cNvGrpSpPr/>
-        <p:nvPr/>
-      </p:nvGrpSpPr>
-      <p:grpSpPr>
-        <a:xfrm>
-          <a:off x="0" y="0"/>
-          <a:ext cx="0" cy="0"/>
-          <a:chOff x="0" y="0"/>
-          <a:chExt cx="0" cy="0"/>
-        </a:xfrm>
-      </p:grpSpPr>
-      <p:sp>
-        <p:nvSpPr>
-          <p:cNvPr id="2" name="Title 1">
-            <a:extLst>
-              <a:ext uri="{FF2B5EF4-FFF2-40B4-BE49-F238E27FC236}">
-                <a16:creationId xmlns:a16="http://schemas.microsoft.com/office/drawing/2014/main" id="{B133D9F5-DB50-4B2A-83E8-F8301DAD0A1A}"/>
-              </a:ext>
-            </a:extLst>
-          </p:cNvPr>
-          <p:cNvSpPr>
-            <a:spLocks noGrp="1"/>
-          </p:cNvSpPr>
-          <p:nvPr>
-            <p:ph type="title"/>
-          </p:nvPr>
-        </p:nvSpPr>
-        <p:spPr/>
-        <p:txBody>
-          <a:bodyPr/>
-          <a:lstStyle/>
-          <a:p>
-            <a:r>
-              <a:rPr lang="en-US" dirty="0"/>
-              <a:t>Circular Slider </a:t>
-            </a:r>
-            <a:r>
-              <a:rPr lang="en-US" dirty="0" err="1"/>
-              <a:t>sebagai</a:t>
-            </a:r>
-            <a:r>
-              <a:rPr lang="en-US" dirty="0"/>
-              <a:t> Input</a:t>
-            </a:r>
-          </a:p>
-        </p:txBody>
-      </p:sp>
-      <p:sp>
-        <p:nvSpPr>
-          <p:cNvPr id="3" name="Content Placeholder 2">
-            <a:extLst>
-              <a:ext uri="{FF2B5EF4-FFF2-40B4-BE49-F238E27FC236}">
-                <a16:creationId xmlns:a16="http://schemas.microsoft.com/office/drawing/2014/main" id="{580DDE9C-1947-49FA-BCEC-0797FD071474}"/>
-              </a:ext>
-            </a:extLst>
-          </p:cNvPr>
-          <p:cNvSpPr>
-            <a:spLocks noGrp="1"/>
-          </p:cNvSpPr>
-          <p:nvPr>
-            <p:ph idx="1"/>
-          </p:nvPr>
-        </p:nvSpPr>
-        <p:spPr/>
-        <p:txBody>
-          <a:bodyPr/>
-          <a:lstStyle/>
-          <a:p>
-            <a:pPr marL="0" indent="0">
-              <a:buNone/>
-            </a:pPr>
-            <a:r>
-              <a:rPr lang="en-US" dirty="0"/>
-              <a:t>interactive: true</a:t>
-            </a:r>
-          </a:p>
-        </p:txBody>
-      </p:sp>
-    </p:spTree>
-    <p:extLst>
-      <p:ext uri="{BB962C8B-B14F-4D97-AF65-F5344CB8AC3E}">
-        <p14:creationId xmlns:p14="http://schemas.microsoft.com/office/powerpoint/2010/main" val="995544983"/>
       </p:ext>
     </p:extLst>
   </p:cSld>
